--- a/Lesson 1 Intro and Turtle Graphics/Intro.pptx
+++ b/Lesson 1 Intro and Turtle Graphics/Intro.pptx
@@ -291,7 +291,7 @@
           <a:p>
             <a:fld id="{50B52481-1D1E-4EE8-A316-F1984E0F88D7}" type="datetimeFigureOut">
               <a:rPr lang="en-SG" smtClean="0"/>
-              <a:t>31/12/2016</a:t>
+              <a:t>1/1/2017</a:t>
             </a:fld>
             <a:endParaRPr lang="en-SG"/>
           </a:p>
@@ -461,7 +461,7 @@
           <a:p>
             <a:fld id="{50B52481-1D1E-4EE8-A316-F1984E0F88D7}" type="datetimeFigureOut">
               <a:rPr lang="en-SG" smtClean="0"/>
-              <a:t>31/12/2016</a:t>
+              <a:t>1/1/2017</a:t>
             </a:fld>
             <a:endParaRPr lang="en-SG"/>
           </a:p>
@@ -641,7 +641,7 @@
           <a:p>
             <a:fld id="{50B52481-1D1E-4EE8-A316-F1984E0F88D7}" type="datetimeFigureOut">
               <a:rPr lang="en-SG" smtClean="0"/>
-              <a:t>31/12/2016</a:t>
+              <a:t>1/1/2017</a:t>
             </a:fld>
             <a:endParaRPr lang="en-SG"/>
           </a:p>
@@ -811,7 +811,7 @@
           <a:p>
             <a:fld id="{50B52481-1D1E-4EE8-A316-F1984E0F88D7}" type="datetimeFigureOut">
               <a:rPr lang="en-SG" smtClean="0"/>
-              <a:t>31/12/2016</a:t>
+              <a:t>1/1/2017</a:t>
             </a:fld>
             <a:endParaRPr lang="en-SG"/>
           </a:p>
@@ -1057,7 +1057,7 @@
           <a:p>
             <a:fld id="{50B52481-1D1E-4EE8-A316-F1984E0F88D7}" type="datetimeFigureOut">
               <a:rPr lang="en-SG" smtClean="0"/>
-              <a:t>31/12/2016</a:t>
+              <a:t>1/1/2017</a:t>
             </a:fld>
             <a:endParaRPr lang="en-SG"/>
           </a:p>
@@ -1345,7 +1345,7 @@
           <a:p>
             <a:fld id="{50B52481-1D1E-4EE8-A316-F1984E0F88D7}" type="datetimeFigureOut">
               <a:rPr lang="en-SG" smtClean="0"/>
-              <a:t>31/12/2016</a:t>
+              <a:t>1/1/2017</a:t>
             </a:fld>
             <a:endParaRPr lang="en-SG"/>
           </a:p>
@@ -1767,7 +1767,7 @@
           <a:p>
             <a:fld id="{50B52481-1D1E-4EE8-A316-F1984E0F88D7}" type="datetimeFigureOut">
               <a:rPr lang="en-SG" smtClean="0"/>
-              <a:t>31/12/2016</a:t>
+              <a:t>1/1/2017</a:t>
             </a:fld>
             <a:endParaRPr lang="en-SG"/>
           </a:p>
@@ -1885,7 +1885,7 @@
           <a:p>
             <a:fld id="{50B52481-1D1E-4EE8-A316-F1984E0F88D7}" type="datetimeFigureOut">
               <a:rPr lang="en-SG" smtClean="0"/>
-              <a:t>31/12/2016</a:t>
+              <a:t>1/1/2017</a:t>
             </a:fld>
             <a:endParaRPr lang="en-SG"/>
           </a:p>
@@ -1980,7 +1980,7 @@
           <a:p>
             <a:fld id="{50B52481-1D1E-4EE8-A316-F1984E0F88D7}" type="datetimeFigureOut">
               <a:rPr lang="en-SG" smtClean="0"/>
-              <a:t>31/12/2016</a:t>
+              <a:t>1/1/2017</a:t>
             </a:fld>
             <a:endParaRPr lang="en-SG"/>
           </a:p>
@@ -2257,7 +2257,7 @@
           <a:p>
             <a:fld id="{50B52481-1D1E-4EE8-A316-F1984E0F88D7}" type="datetimeFigureOut">
               <a:rPr lang="en-SG" smtClean="0"/>
-              <a:t>31/12/2016</a:t>
+              <a:t>1/1/2017</a:t>
             </a:fld>
             <a:endParaRPr lang="en-SG"/>
           </a:p>
@@ -2510,7 +2510,7 @@
           <a:p>
             <a:fld id="{50B52481-1D1E-4EE8-A316-F1984E0F88D7}" type="datetimeFigureOut">
               <a:rPr lang="en-SG" smtClean="0"/>
-              <a:t>31/12/2016</a:t>
+              <a:t>1/1/2017</a:t>
             </a:fld>
             <a:endParaRPr lang="en-SG"/>
           </a:p>
@@ -2723,7 +2723,7 @@
           <a:p>
             <a:fld id="{50B52481-1D1E-4EE8-A316-F1984E0F88D7}" type="datetimeFigureOut">
               <a:rPr lang="en-SG" smtClean="0"/>
-              <a:t>31/12/2016</a:t>
+              <a:t>1/1/2017</a:t>
             </a:fld>
             <a:endParaRPr lang="en-SG"/>
           </a:p>
@@ -3115,7 +3115,11 @@
           <a:p>
             <a:r>
               <a:rPr lang="en-SG" dirty="0" smtClean="0"/>
-              <a:t>Problem-solving with Python</a:t>
+              <a:t>Algorithms in </a:t>
+            </a:r>
+            <a:r>
+              <a:rPr lang="en-SG" smtClean="0"/>
+              <a:t>Data Science</a:t>
             </a:r>
             <a:endParaRPr lang="en-SG" dirty="0"/>
           </a:p>
